--- a/Alcohol_detection_defence.pptx
+++ b/Alcohol_detection_defence.pptx
@@ -1,19 +1,19 @@
 
 <file path=ppt/presentation.xml><?xml version="1.0" encoding="utf-8"?>
-<p:presentation xmlns:a="http://schemas.openxmlformats.org/drawingml/2006/main" xmlns:r="http://schemas.openxmlformats.org/officeDocument/2006/relationships" xmlns:p="http://schemas.openxmlformats.org/presentationml/2006/main" xmlns:m="http://schemas.openxmlformats.org/officeDocument/2006/math" xmlns:w="http://schemas.openxmlformats.org/wordprocessingml/2006/main" saveSubsetFonts="1">
+<p:presentation xmlns:a="http://schemas.openxmlformats.org/drawingml/2006/main" xmlns:r="http://schemas.openxmlformats.org/officeDocument/2006/relationships" xmlns:p="http://schemas.openxmlformats.org/presentationml/2006/main" saveSubsetFonts="1">
   <p:sldMasterIdLst>
     <p:sldMasterId id="2147483648" r:id="rId1"/>
   </p:sldMasterIdLst>
   <p:sldIdLst>
-    <p:sldId id="256" r:id="rId3"/>
-    <p:sldId id="257" r:id="rId4"/>
-    <p:sldId id="258" r:id="rId5"/>
-    <p:sldId id="259" r:id="rId6"/>
-    <p:sldId id="260" r:id="rId7"/>
-    <p:sldId id="261" r:id="rId8"/>
-    <p:sldId id="262" r:id="rId9"/>
-    <p:sldId id="263" r:id="rId10"/>
-    <p:sldId id="264" r:id="rId11"/>
+    <p:sldId id="256" r:id="rId2"/>
+    <p:sldId id="257" r:id="rId3"/>
+    <p:sldId id="258" r:id="rId4"/>
+    <p:sldId id="259" r:id="rId5"/>
+    <p:sldId id="260" r:id="rId6"/>
+    <p:sldId id="261" r:id="rId7"/>
+    <p:sldId id="262" r:id="rId8"/>
+    <p:sldId id="263" r:id="rId9"/>
+    <p:sldId id="264" r:id="rId10"/>
   </p:sldIdLst>
   <p:sldSz cx="12192000" cy="6858000"/>
   <p:notesSz cx="12192000" cy="6858000"/>
@@ -112,11 +112,27 @@
       </a:defRPr>
     </a:lvl9pPr>
   </p:defaultTextStyle>
+  <p:extLst>
+    <p:ext uri="{EFAFB233-063F-42B5-8137-9DF3F51BA10A}">
+      <p15:sldGuideLst xmlns:p15="http://schemas.microsoft.com/office/powerpoint/2012/main">
+        <p15:guide id="1" orient="horz" pos="2160">
+          <p15:clr>
+            <a:srgbClr val="A4A3A4"/>
+          </p15:clr>
+        </p15:guide>
+        <p15:guide id="2" pos="2880">
+          <p15:clr>
+            <a:srgbClr val="A4A3A4"/>
+          </p15:clr>
+        </p15:guide>
+      </p15:sldGuideLst>
+    </p:ext>
+  </p:extLst>
 </p:presentation>
 </file>
 
 <file path=ppt/slideLayouts/slideLayout1.xml><?xml version="1.0" encoding="utf-8"?>
-<p:sldLayout xmlns:a="http://schemas.openxmlformats.org/drawingml/2006/main" xmlns:r="http://schemas.openxmlformats.org/officeDocument/2006/relationships" xmlns:p="http://schemas.openxmlformats.org/presentationml/2006/main" xmlns:m="http://schemas.openxmlformats.org/officeDocument/2006/math" xmlns:w="http://schemas.openxmlformats.org/wordprocessingml/2006/main" matchingName="" preserve="1" showMasterPhAnim="0" type="title" userDrawn="1">
+<p:sldLayout xmlns:a="http://schemas.openxmlformats.org/drawingml/2006/main" xmlns:r="http://schemas.openxmlformats.org/officeDocument/2006/relationships" xmlns:p="http://schemas.openxmlformats.org/presentationml/2006/main" showMasterPhAnim="0" type="title" preserve="1" userDrawn="1">
   <p:cSld name="Титульный слайд">
     <p:spTree>
       <p:nvGrpSpPr>
@@ -255,7 +271,7 @@
             </a:pPr>
             <a:fld id="{EE0A27D8-063E-4F12-9CA7-F8A6C8638384}" type="datetimeFigureOut">
               <a:rPr lang="en-GB"/>
-              <a:t/>
+              <a:t>01/03/2023</a:t>
             </a:fld>
             <a:endParaRPr lang="en-GB"/>
           </a:p>
@@ -303,7 +319,7 @@
             </a:pPr>
             <a:fld id="{16A54835-FB91-41C5-A60B-E43DE1B1A720}" type="slidenum">
               <a:rPr lang="en-GB"/>
-              <a:t/>
+              <a:t>‹#›</a:t>
             </a:fld>
             <a:endParaRPr lang="en-GB"/>
           </a:p>
@@ -318,7 +334,7 @@
 </file>
 
 <file path=ppt/slideLayouts/slideLayout10.xml><?xml version="1.0" encoding="utf-8"?>
-<p:sldLayout xmlns:a="http://schemas.openxmlformats.org/drawingml/2006/main" xmlns:r="http://schemas.openxmlformats.org/officeDocument/2006/relationships" xmlns:p="http://schemas.openxmlformats.org/presentationml/2006/main" xmlns:m="http://schemas.openxmlformats.org/officeDocument/2006/math" xmlns:w="http://schemas.openxmlformats.org/wordprocessingml/2006/main" matchingName="" preserve="1" showMasterPhAnim="0" type="vertTx" userDrawn="1">
+<p:sldLayout xmlns:a="http://schemas.openxmlformats.org/drawingml/2006/main" xmlns:r="http://schemas.openxmlformats.org/officeDocument/2006/relationships" xmlns:p="http://schemas.openxmlformats.org/presentationml/2006/main" showMasterPhAnim="0" type="vertTx" preserve="1" userDrawn="1">
   <p:cSld name="Заголовок и вертикальный текст">
     <p:spTree>
       <p:nvGrpSpPr>
@@ -446,7 +462,7 @@
             </a:pPr>
             <a:fld id="{EE0A27D8-063E-4F12-9CA7-F8A6C8638384}" type="datetimeFigureOut">
               <a:rPr lang="en-GB"/>
-              <a:t/>
+              <a:t>01/03/2023</a:t>
             </a:fld>
             <a:endParaRPr lang="en-GB"/>
           </a:p>
@@ -494,7 +510,7 @@
             </a:pPr>
             <a:fld id="{16A54835-FB91-41C5-A60B-E43DE1B1A720}" type="slidenum">
               <a:rPr lang="en-GB"/>
-              <a:t/>
+              <a:t>‹#›</a:t>
             </a:fld>
             <a:endParaRPr lang="en-GB"/>
           </a:p>
@@ -509,7 +525,7 @@
 </file>
 
 <file path=ppt/slideLayouts/slideLayout11.xml><?xml version="1.0" encoding="utf-8"?>
-<p:sldLayout xmlns:a="http://schemas.openxmlformats.org/drawingml/2006/main" xmlns:r="http://schemas.openxmlformats.org/officeDocument/2006/relationships" xmlns:p="http://schemas.openxmlformats.org/presentationml/2006/main" xmlns:m="http://schemas.openxmlformats.org/officeDocument/2006/math" xmlns:w="http://schemas.openxmlformats.org/wordprocessingml/2006/main" matchingName="" preserve="1" showMasterPhAnim="0" type="vertTitleAndTx" userDrawn="1">
+<p:sldLayout xmlns:a="http://schemas.openxmlformats.org/drawingml/2006/main" xmlns:r="http://schemas.openxmlformats.org/officeDocument/2006/relationships" xmlns:p="http://schemas.openxmlformats.org/presentationml/2006/main" showMasterPhAnim="0" type="vertTitleAndTx" preserve="1" userDrawn="1">
   <p:cSld name="Вертикальный заголовок и текст">
     <p:spTree>
       <p:nvGrpSpPr>
@@ -647,7 +663,7 @@
             </a:pPr>
             <a:fld id="{EE0A27D8-063E-4F12-9CA7-F8A6C8638384}" type="datetimeFigureOut">
               <a:rPr lang="en-GB"/>
-              <a:t/>
+              <a:t>01/03/2023</a:t>
             </a:fld>
             <a:endParaRPr lang="en-GB"/>
           </a:p>
@@ -695,7 +711,7 @@
             </a:pPr>
             <a:fld id="{16A54835-FB91-41C5-A60B-E43DE1B1A720}" type="slidenum">
               <a:rPr lang="en-GB"/>
-              <a:t/>
+              <a:t>‹#›</a:t>
             </a:fld>
             <a:endParaRPr lang="en-GB"/>
           </a:p>
@@ -710,7 +726,7 @@
 </file>
 
 <file path=ppt/slideLayouts/slideLayout2.xml><?xml version="1.0" encoding="utf-8"?>
-<p:sldLayout xmlns:a="http://schemas.openxmlformats.org/drawingml/2006/main" xmlns:r="http://schemas.openxmlformats.org/officeDocument/2006/relationships" xmlns:p="http://schemas.openxmlformats.org/presentationml/2006/main" xmlns:m="http://schemas.openxmlformats.org/officeDocument/2006/math" xmlns:w="http://schemas.openxmlformats.org/wordprocessingml/2006/main" matchingName="" preserve="1" showMasterPhAnim="0" type="obj" userDrawn="1">
+<p:sldLayout xmlns:a="http://schemas.openxmlformats.org/drawingml/2006/main" xmlns:r="http://schemas.openxmlformats.org/officeDocument/2006/relationships" xmlns:p="http://schemas.openxmlformats.org/presentationml/2006/main" showMasterPhAnim="0" type="obj" preserve="1" userDrawn="1">
   <p:cSld name="Заголовок и объект">
     <p:spTree>
       <p:nvGrpSpPr>
@@ -838,7 +854,7 @@
             </a:pPr>
             <a:fld id="{EE0A27D8-063E-4F12-9CA7-F8A6C8638384}" type="datetimeFigureOut">
               <a:rPr lang="en-GB"/>
-              <a:t/>
+              <a:t>01/03/2023</a:t>
             </a:fld>
             <a:endParaRPr lang="en-GB"/>
           </a:p>
@@ -886,7 +902,7 @@
             </a:pPr>
             <a:fld id="{16A54835-FB91-41C5-A60B-E43DE1B1A720}" type="slidenum">
               <a:rPr lang="en-GB"/>
-              <a:t/>
+              <a:t>‹#›</a:t>
             </a:fld>
             <a:endParaRPr lang="en-GB"/>
           </a:p>
@@ -901,7 +917,7 @@
 </file>
 
 <file path=ppt/slideLayouts/slideLayout3.xml><?xml version="1.0" encoding="utf-8"?>
-<p:sldLayout xmlns:a="http://schemas.openxmlformats.org/drawingml/2006/main" xmlns:r="http://schemas.openxmlformats.org/officeDocument/2006/relationships" xmlns:p="http://schemas.openxmlformats.org/presentationml/2006/main" xmlns:m="http://schemas.openxmlformats.org/officeDocument/2006/math" xmlns:w="http://schemas.openxmlformats.org/wordprocessingml/2006/main" matchingName="" preserve="1" showMasterPhAnim="0" type="secHead" userDrawn="1">
+<p:sldLayout xmlns:a="http://schemas.openxmlformats.org/drawingml/2006/main" xmlns:r="http://schemas.openxmlformats.org/officeDocument/2006/relationships" xmlns:p="http://schemas.openxmlformats.org/presentationml/2006/main" showMasterPhAnim="0" type="secHead" preserve="1" userDrawn="1">
   <p:cSld name="Заголовок раздела">
     <p:spTree>
       <p:nvGrpSpPr>
@@ -1094,7 +1110,7 @@
             </a:pPr>
             <a:fld id="{EE0A27D8-063E-4F12-9CA7-F8A6C8638384}" type="datetimeFigureOut">
               <a:rPr lang="en-GB"/>
-              <a:t/>
+              <a:t>01/03/2023</a:t>
             </a:fld>
             <a:endParaRPr lang="en-GB"/>
           </a:p>
@@ -1142,7 +1158,7 @@
             </a:pPr>
             <a:fld id="{16A54835-FB91-41C5-A60B-E43DE1B1A720}" type="slidenum">
               <a:rPr lang="en-GB"/>
-              <a:t/>
+              <a:t>‹#›</a:t>
             </a:fld>
             <a:endParaRPr lang="en-GB"/>
           </a:p>
@@ -1157,7 +1173,7 @@
 </file>
 
 <file path=ppt/slideLayouts/slideLayout4.xml><?xml version="1.0" encoding="utf-8"?>
-<p:sldLayout xmlns:a="http://schemas.openxmlformats.org/drawingml/2006/main" xmlns:r="http://schemas.openxmlformats.org/officeDocument/2006/relationships" xmlns:p="http://schemas.openxmlformats.org/presentationml/2006/main" xmlns:m="http://schemas.openxmlformats.org/officeDocument/2006/math" xmlns:w="http://schemas.openxmlformats.org/wordprocessingml/2006/main" matchingName="" preserve="1" showMasterPhAnim="0" type="twoObj" userDrawn="1">
+<p:sldLayout xmlns:a="http://schemas.openxmlformats.org/drawingml/2006/main" xmlns:r="http://schemas.openxmlformats.org/officeDocument/2006/relationships" xmlns:p="http://schemas.openxmlformats.org/presentationml/2006/main" showMasterPhAnim="0" type="twoObj" preserve="1" userDrawn="1">
   <p:cSld name="Два объекта">
     <p:spTree>
       <p:nvGrpSpPr>
@@ -1361,7 +1377,7 @@
             </a:pPr>
             <a:fld id="{EE0A27D8-063E-4F12-9CA7-F8A6C8638384}" type="datetimeFigureOut">
               <a:rPr lang="en-GB"/>
-              <a:t/>
+              <a:t>01/03/2023</a:t>
             </a:fld>
             <a:endParaRPr lang="en-GB"/>
           </a:p>
@@ -1409,7 +1425,7 @@
             </a:pPr>
             <a:fld id="{16A54835-FB91-41C5-A60B-E43DE1B1A720}" type="slidenum">
               <a:rPr lang="en-GB"/>
-              <a:t/>
+              <a:t>‹#›</a:t>
             </a:fld>
             <a:endParaRPr lang="en-GB"/>
           </a:p>
@@ -1424,7 +1440,7 @@
 </file>
 
 <file path=ppt/slideLayouts/slideLayout5.xml><?xml version="1.0" encoding="utf-8"?>
-<p:sldLayout xmlns:a="http://schemas.openxmlformats.org/drawingml/2006/main" xmlns:r="http://schemas.openxmlformats.org/officeDocument/2006/relationships" xmlns:p="http://schemas.openxmlformats.org/presentationml/2006/main" xmlns:m="http://schemas.openxmlformats.org/officeDocument/2006/math" xmlns:w="http://schemas.openxmlformats.org/wordprocessingml/2006/main" matchingName="" preserve="1" showMasterPhAnim="0" type="twoTxTwoObj" userDrawn="1">
+<p:sldLayout xmlns:a="http://schemas.openxmlformats.org/drawingml/2006/main" xmlns:r="http://schemas.openxmlformats.org/officeDocument/2006/relationships" xmlns:p="http://schemas.openxmlformats.org/presentationml/2006/main" showMasterPhAnim="0" type="twoTxTwoObj" preserve="1" userDrawn="1">
   <p:cSld name="Сравнение">
     <p:spTree>
       <p:nvGrpSpPr>
@@ -1769,7 +1785,7 @@
             </a:pPr>
             <a:fld id="{EE0A27D8-063E-4F12-9CA7-F8A6C8638384}" type="datetimeFigureOut">
               <a:rPr lang="en-GB"/>
-              <a:t/>
+              <a:t>01/03/2023</a:t>
             </a:fld>
             <a:endParaRPr lang="en-GB"/>
           </a:p>
@@ -1817,7 +1833,7 @@
             </a:pPr>
             <a:fld id="{16A54835-FB91-41C5-A60B-E43DE1B1A720}" type="slidenum">
               <a:rPr lang="en-GB"/>
-              <a:t/>
+              <a:t>‹#›</a:t>
             </a:fld>
             <a:endParaRPr lang="en-GB"/>
           </a:p>
@@ -1832,7 +1848,7 @@
 </file>
 
 <file path=ppt/slideLayouts/slideLayout6.xml><?xml version="1.0" encoding="utf-8"?>
-<p:sldLayout xmlns:a="http://schemas.openxmlformats.org/drawingml/2006/main" xmlns:r="http://schemas.openxmlformats.org/officeDocument/2006/relationships" xmlns:p="http://schemas.openxmlformats.org/presentationml/2006/main" xmlns:m="http://schemas.openxmlformats.org/officeDocument/2006/math" xmlns:w="http://schemas.openxmlformats.org/wordprocessingml/2006/main" matchingName="" preserve="1" showMasterPhAnim="0" type="titleOnly" userDrawn="1">
+<p:sldLayout xmlns:a="http://schemas.openxmlformats.org/drawingml/2006/main" xmlns:r="http://schemas.openxmlformats.org/officeDocument/2006/relationships" xmlns:p="http://schemas.openxmlformats.org/presentationml/2006/main" showMasterPhAnim="0" type="titleOnly" preserve="1" userDrawn="1">
   <p:cSld name="Только заголовок">
     <p:spTree>
       <p:nvGrpSpPr>
@@ -1894,7 +1910,7 @@
             </a:pPr>
             <a:fld id="{EE0A27D8-063E-4F12-9CA7-F8A6C8638384}" type="datetimeFigureOut">
               <a:rPr lang="en-GB"/>
-              <a:t/>
+              <a:t>01/03/2023</a:t>
             </a:fld>
             <a:endParaRPr lang="en-GB"/>
           </a:p>
@@ -1942,7 +1958,7 @@
             </a:pPr>
             <a:fld id="{16A54835-FB91-41C5-A60B-E43DE1B1A720}" type="slidenum">
               <a:rPr lang="en-GB"/>
-              <a:t/>
+              <a:t>‹#›</a:t>
             </a:fld>
             <a:endParaRPr lang="en-GB"/>
           </a:p>
@@ -1957,7 +1973,7 @@
 </file>
 
 <file path=ppt/slideLayouts/slideLayout7.xml><?xml version="1.0" encoding="utf-8"?>
-<p:sldLayout xmlns:a="http://schemas.openxmlformats.org/drawingml/2006/main" xmlns:r="http://schemas.openxmlformats.org/officeDocument/2006/relationships" xmlns:p="http://schemas.openxmlformats.org/presentationml/2006/main" xmlns:m="http://schemas.openxmlformats.org/officeDocument/2006/math" xmlns:w="http://schemas.openxmlformats.org/wordprocessingml/2006/main" matchingName="" preserve="1" showMasterPhAnim="0" type="blank" userDrawn="1">
+<p:sldLayout xmlns:a="http://schemas.openxmlformats.org/drawingml/2006/main" xmlns:r="http://schemas.openxmlformats.org/officeDocument/2006/relationships" xmlns:p="http://schemas.openxmlformats.org/presentationml/2006/main" showMasterPhAnim="0" type="blank" preserve="1" userDrawn="1">
   <p:cSld name="Пустой слайд">
     <p:spTree>
       <p:nvGrpSpPr>
@@ -1993,7 +2009,7 @@
             </a:pPr>
             <a:fld id="{EE0A27D8-063E-4F12-9CA7-F8A6C8638384}" type="datetimeFigureOut">
               <a:rPr lang="en-GB"/>
-              <a:t/>
+              <a:t>01/03/2023</a:t>
             </a:fld>
             <a:endParaRPr lang="en-GB"/>
           </a:p>
@@ -2041,7 +2057,7 @@
             </a:pPr>
             <a:fld id="{16A54835-FB91-41C5-A60B-E43DE1B1A720}" type="slidenum">
               <a:rPr lang="en-GB"/>
-              <a:t/>
+              <a:t>‹#›</a:t>
             </a:fld>
             <a:endParaRPr lang="en-GB"/>
           </a:p>
@@ -2056,7 +2072,7 @@
 </file>
 
 <file path=ppt/slideLayouts/slideLayout8.xml><?xml version="1.0" encoding="utf-8"?>
-<p:sldLayout xmlns:a="http://schemas.openxmlformats.org/drawingml/2006/main" xmlns:r="http://schemas.openxmlformats.org/officeDocument/2006/relationships" xmlns:p="http://schemas.openxmlformats.org/presentationml/2006/main" xmlns:m="http://schemas.openxmlformats.org/officeDocument/2006/math" xmlns:w="http://schemas.openxmlformats.org/wordprocessingml/2006/main" matchingName="" preserve="1" showMasterPhAnim="0" type="objTx" userDrawn="1">
+<p:sldLayout xmlns:a="http://schemas.openxmlformats.org/drawingml/2006/main" xmlns:r="http://schemas.openxmlformats.org/officeDocument/2006/relationships" xmlns:p="http://schemas.openxmlformats.org/presentationml/2006/main" showMasterPhAnim="0" type="objTx" preserve="1" userDrawn="1">
   <p:cSld name="Объект с подписью">
     <p:spTree>
       <p:nvGrpSpPr>
@@ -2294,7 +2310,7 @@
             </a:pPr>
             <a:fld id="{EE0A27D8-063E-4F12-9CA7-F8A6C8638384}" type="datetimeFigureOut">
               <a:rPr lang="en-GB"/>
-              <a:t/>
+              <a:t>01/03/2023</a:t>
             </a:fld>
             <a:endParaRPr lang="en-GB"/>
           </a:p>
@@ -2342,7 +2358,7 @@
             </a:pPr>
             <a:fld id="{16A54835-FB91-41C5-A60B-E43DE1B1A720}" type="slidenum">
               <a:rPr lang="en-GB"/>
-              <a:t/>
+              <a:t>‹#›</a:t>
             </a:fld>
             <a:endParaRPr lang="en-GB"/>
           </a:p>
@@ -2357,7 +2373,7 @@
 </file>
 
 <file path=ppt/slideLayouts/slideLayout9.xml><?xml version="1.0" encoding="utf-8"?>
-<p:sldLayout xmlns:a="http://schemas.openxmlformats.org/drawingml/2006/main" xmlns:r="http://schemas.openxmlformats.org/officeDocument/2006/relationships" xmlns:p="http://schemas.openxmlformats.org/presentationml/2006/main" xmlns:m="http://schemas.openxmlformats.org/officeDocument/2006/math" xmlns:w="http://schemas.openxmlformats.org/wordprocessingml/2006/main" matchingName="" preserve="1" showMasterPhAnim="0" type="picTx" userDrawn="1">
+<p:sldLayout xmlns:a="http://schemas.openxmlformats.org/drawingml/2006/main" xmlns:r="http://schemas.openxmlformats.org/officeDocument/2006/relationships" xmlns:p="http://schemas.openxmlformats.org/presentationml/2006/main" showMasterPhAnim="0" type="picTx" preserve="1" userDrawn="1">
   <p:cSld name="Рисунок с подписью">
     <p:spTree>
       <p:nvGrpSpPr>
@@ -2560,7 +2576,7 @@
             </a:pPr>
             <a:fld id="{EE0A27D8-063E-4F12-9CA7-F8A6C8638384}" type="datetimeFigureOut">
               <a:rPr lang="en-GB"/>
-              <a:t/>
+              <a:t>01/03/2023</a:t>
             </a:fld>
             <a:endParaRPr lang="en-GB"/>
           </a:p>
@@ -2608,7 +2624,7 @@
             </a:pPr>
             <a:fld id="{16A54835-FB91-41C5-A60B-E43DE1B1A720}" type="slidenum">
               <a:rPr lang="en-GB"/>
-              <a:t/>
+              <a:t>‹#›</a:t>
             </a:fld>
             <a:endParaRPr lang="en-GB"/>
           </a:p>
@@ -2623,8 +2639,8 @@
 </file>
 
 <file path=ppt/slideMasters/slideMaster1.xml><?xml version="1.0" encoding="utf-8"?>
-<p:sldMaster xmlns:a="http://schemas.openxmlformats.org/drawingml/2006/main" xmlns:r="http://schemas.openxmlformats.org/officeDocument/2006/relationships" xmlns:p="http://schemas.openxmlformats.org/presentationml/2006/main" xmlns:m="http://schemas.openxmlformats.org/officeDocument/2006/math" xmlns:w="http://schemas.openxmlformats.org/wordprocessingml/2006/main" preserve="0">
-  <p:cSld name="">
+<p:sldMaster xmlns:a="http://schemas.openxmlformats.org/drawingml/2006/main" xmlns:r="http://schemas.openxmlformats.org/officeDocument/2006/relationships" xmlns:p="http://schemas.openxmlformats.org/presentationml/2006/main">
+  <p:cSld>
     <p:bg>
       <p:bgRef idx="1001">
         <a:schemeClr val="bg1"/>
@@ -2794,7 +2810,7 @@
             </a:pPr>
             <a:fld id="{EE0A27D8-063E-4F12-9CA7-F8A6C8638384}" type="datetimeFigureOut">
               <a:rPr lang="en-GB"/>
-              <a:t/>
+              <a:t>01/03/2023</a:t>
             </a:fld>
             <a:endParaRPr lang="en-GB"/>
           </a:p>
@@ -2878,7 +2894,7 @@
             </a:pPr>
             <a:fld id="{16A54835-FB91-41C5-A60B-E43DE1B1A720}" type="slidenum">
               <a:rPr lang="en-GB"/>
-              <a:t/>
+              <a:t>‹#›</a:t>
             </a:fld>
             <a:endParaRPr lang="en-GB"/>
           </a:p>
@@ -3184,8 +3200,8 @@
 </file>
 
 <file path=ppt/slides/slide1.xml><?xml version="1.0" encoding="utf-8"?>
-<p:sld xmlns:a="http://schemas.openxmlformats.org/drawingml/2006/main" xmlns:r="http://schemas.openxmlformats.org/officeDocument/2006/relationships" xmlns:p="http://schemas.openxmlformats.org/presentationml/2006/main" xmlns:m="http://schemas.openxmlformats.org/officeDocument/2006/math" xmlns:w="http://schemas.openxmlformats.org/wordprocessingml/2006/main" showMasterPhAnim="0" show="1">
-  <p:cSld name="">
+<p:sld xmlns:a="http://schemas.openxmlformats.org/drawingml/2006/main" xmlns:r="http://schemas.openxmlformats.org/officeDocument/2006/relationships" xmlns:p="http://schemas.openxmlformats.org/presentationml/2006/main" showMasterPhAnim="0">
+  <p:cSld>
     <p:spTree>
       <p:nvGrpSpPr>
         <p:cNvPr id="1" name=""/>
@@ -3245,7 +3261,7 @@
         </p:nvSpPr>
         <p:spPr bwMode="auto">
           <a:xfrm>
-            <a:off x="1524000" y="4022673"/>
+            <a:off x="1524000" y="4941168"/>
             <a:ext cx="9144000" cy="1655762"/>
           </a:xfrm>
         </p:spPr>
@@ -3259,60 +3275,110 @@
               <a:defRPr/>
             </a:pPr>
             <a:r>
-              <a:rPr lang="ru-RU"/>
+              <a:rPr lang="ru-RU" dirty="0"/>
               <a:t>Данные взяты из работы </a:t>
             </a:r>
             <a:r>
-              <a:rPr lang="en-GB"/>
+              <a:rPr lang="en-GB" dirty="0"/>
               <a:t>M. </a:t>
             </a:r>
             <a:r>
-              <a:rPr lang="en-GB"/>
+              <a:rPr lang="en-GB" dirty="0" err="1"/>
               <a:t>Fatih</a:t>
             </a:r>
             <a:r>
-              <a:rPr lang="en-GB"/>
+              <a:rPr lang="en-GB" dirty="0"/>
               <a:t> Adak, Peter </a:t>
             </a:r>
             <a:r>
-              <a:rPr lang="en-GB"/>
+              <a:rPr lang="en-GB" dirty="0" err="1"/>
               <a:t>Lieberzeit</a:t>
             </a:r>
             <a:r>
-              <a:rPr lang="en-GB"/>
+              <a:rPr lang="en-GB" dirty="0"/>
               <a:t>, Purim </a:t>
             </a:r>
             <a:r>
-              <a:rPr lang="en-GB"/>
+              <a:rPr lang="en-GB" dirty="0" err="1"/>
               <a:t>Jarujamrus</a:t>
             </a:r>
             <a:r>
-              <a:rPr lang="en-GB"/>
+              <a:rPr lang="en-GB" dirty="0"/>
               <a:t>, Nejat </a:t>
             </a:r>
             <a:r>
-              <a:rPr lang="en-GB"/>
+              <a:rPr lang="en-GB" dirty="0" err="1"/>
               <a:t>Yumusak</a:t>
             </a:r>
             <a:r>
-              <a:rPr lang="en-GB"/>
+              <a:rPr lang="en-GB" dirty="0"/>
               <a:t>, Classification of alcohols obtained by QCM sensors with different characteristics using ABC based neural network, Engineering Science and Technology, an International Journal, </a:t>
             </a:r>
             <a:r>
-              <a:rPr lang="ru-RU"/>
+              <a:rPr lang="ru-RU" dirty="0"/>
               <a:t>2019, 23(3), 463-469.</a:t>
             </a:r>
-            <a:endParaRPr lang="en-GB"/>
-          </a:p>
-          <a:p>
-            <a:pPr>
-              <a:defRPr/>
-            </a:pPr>
-            <a:r>
-              <a:rPr lang="en-GB"/>
+            <a:endParaRPr lang="en-GB" dirty="0"/>
+          </a:p>
+          <a:p>
+            <a:pPr>
+              <a:defRPr/>
+            </a:pPr>
+            <a:r>
+              <a:rPr lang="en-GB" dirty="0"/>
               <a:t>https://doi.org/10.1016/j.jestch.2019.06.011</a:t>
             </a:r>
-            <a:endParaRPr/>
+            <a:endParaRPr dirty="0"/>
+          </a:p>
+        </p:txBody>
+      </p:sp>
+      <p:sp>
+        <p:nvSpPr>
+          <p:cNvPr id="4" name="TextBox 3">
+            <a:extLst>
+              <a:ext uri="{FF2B5EF4-FFF2-40B4-BE49-F238E27FC236}">
+                <a16:creationId xmlns:a16="http://schemas.microsoft.com/office/drawing/2014/main" id="{4EFE76FF-BFEF-B949-7179-AC54E82486D8}"/>
+              </a:ext>
+            </a:extLst>
+          </p:cNvPr>
+          <p:cNvSpPr txBox="1"/>
+          <p:nvPr/>
+        </p:nvSpPr>
+        <p:spPr>
+          <a:xfrm>
+            <a:off x="2254676" y="3645024"/>
+            <a:ext cx="7478329" cy="923330"/>
+          </a:xfrm>
+          <a:prstGeom prst="rect">
+            <a:avLst/>
+          </a:prstGeom>
+          <a:noFill/>
+        </p:spPr>
+        <p:txBody>
+          <a:bodyPr wrap="none" rtlCol="0">
+            <a:spAutoFit/>
+          </a:bodyPr>
+          <a:lstStyle/>
+          <a:p>
+            <a:pPr algn="ctr"/>
+            <a:r>
+              <a:rPr lang="ru-RU" dirty="0"/>
+              <a:t>Парфенов П.С.</a:t>
+            </a:r>
+          </a:p>
+          <a:p>
+            <a:pPr algn="ctr"/>
+            <a:r>
+              <a:rPr lang="ru-RU" dirty="0"/>
+              <a:t>Международный научно-образовательный центр «Физика наноструктур»</a:t>
+            </a:r>
+          </a:p>
+          <a:p>
+            <a:pPr algn="ctr"/>
+            <a:r>
+              <a:rPr lang="ru-RU" dirty="0"/>
+              <a:t>Университет ИТМО</a:t>
+            </a:r>
           </a:p>
         </p:txBody>
       </p:sp>
@@ -3321,20 +3387,12 @@
   <p:clrMapOvr>
     <a:masterClrMapping/>
   </p:clrMapOvr>
-  <mc:AlternateContent xmlns:mc="http://schemas.openxmlformats.org/markup-compatibility/2006">
-    <mc:Choice xmlns:p14="http://schemas.microsoft.com/office/powerpoint/2010/main" Requires="p14">
-      <p:transition p14:dur="2000" advClick="1"/>
-    </mc:Choice>
-    <mc:Fallback>
-      <p:transition advClick="1"/>
-    </mc:Fallback>
-  </mc:AlternateContent>
 </p:sld>
 </file>
 
 <file path=ppt/slides/slide2.xml><?xml version="1.0" encoding="utf-8"?>
-<p:sld xmlns:a="http://schemas.openxmlformats.org/drawingml/2006/main" xmlns:r="http://schemas.openxmlformats.org/officeDocument/2006/relationships" xmlns:p="http://schemas.openxmlformats.org/presentationml/2006/main" xmlns:m="http://schemas.openxmlformats.org/officeDocument/2006/math" xmlns:w="http://schemas.openxmlformats.org/wordprocessingml/2006/main" showMasterPhAnim="0" show="1">
-  <p:cSld name="">
+<p:sld xmlns:a="http://schemas.openxmlformats.org/drawingml/2006/main" xmlns:r="http://schemas.openxmlformats.org/officeDocument/2006/relationships" xmlns:p="http://schemas.openxmlformats.org/presentationml/2006/main" showMasterPhAnim="0">
+  <p:cSld>
     <p:spTree>
       <p:nvGrpSpPr>
         <p:cNvPr id="1" name=""/>
@@ -3360,14 +3418,14 @@
           </p:nvPr>
         </p:nvSpPr>
         <p:spPr bwMode="auto">
-          <a:xfrm flipH="0" flipV="0">
+          <a:xfrm>
             <a:off x="838199" y="444499"/>
             <a:ext cx="10515600" cy="6127121"/>
           </a:xfrm>
         </p:spPr>
         <p:txBody>
-          <a:bodyPr vertOverflow="overflow" horzOverflow="overflow" vert="horz" wrap="square" lIns="91440" tIns="45720" rIns="91440" bIns="45720" numCol="1" spcCol="0" rtlCol="0" fromWordArt="0" anchor="t" anchorCtr="0" forceAA="0" upright="0" compatLnSpc="0">
-            <a:normAutofit fontScale="85000" lnSpcReduction="3000"/>
+          <a:bodyPr vertOverflow="overflow" horzOverflow="overflow" vert="horz" wrap="square" lIns="91440" tIns="45720" rIns="91440" bIns="45720" numCol="1" spcCol="0" rtlCol="0" fromWordArt="0" anchor="t" anchorCtr="0" forceAA="0" compatLnSpc="0">
+            <a:normAutofit fontScale="92500" lnSpcReduction="13000"/>
           </a:bodyPr>
           <a:lstStyle/>
           <a:p>
@@ -3390,7 +3448,6 @@
               <a:rPr lang="ru-RU"/>
               <a:t>распознавание известных химических веществ по показаниям сенсоров. Экспериментальные данные должны быть сами классифицированы и после обучения алгоритм должен распознавать какой именно спирт присутствует.</a:t>
             </a:r>
-            <a:endParaRPr lang="ru-RU"/>
           </a:p>
           <a:p>
             <a:pPr marL="0" indent="0">
@@ -3455,7 +3512,6 @@
               <a:rPr lang="ru-RU"/>
               <a:t>10 измерений с каждым спиртом/концентрацией = 250 измерений/датчик</a:t>
             </a:r>
-            <a:endParaRPr lang="ru-RU"/>
           </a:p>
           <a:p>
             <a:pPr marL="0" indent="0">
@@ -3523,20 +3579,12 @@
   <p:clrMapOvr>
     <a:masterClrMapping/>
   </p:clrMapOvr>
-  <mc:AlternateContent xmlns:mc="http://schemas.openxmlformats.org/markup-compatibility/2006">
-    <mc:Choice xmlns:p14="http://schemas.microsoft.com/office/powerpoint/2010/main" Requires="p14">
-      <p:transition p14:dur="2000" advClick="1"/>
-    </mc:Choice>
-    <mc:Fallback>
-      <p:transition advClick="1"/>
-    </mc:Fallback>
-  </mc:AlternateContent>
 </p:sld>
 </file>
 
 <file path=ppt/slides/slide3.xml><?xml version="1.0" encoding="utf-8"?>
-<p:sld xmlns:a="http://schemas.openxmlformats.org/drawingml/2006/main" xmlns:r="http://schemas.openxmlformats.org/officeDocument/2006/relationships" xmlns:p="http://schemas.openxmlformats.org/presentationml/2006/main" xmlns:m="http://schemas.openxmlformats.org/officeDocument/2006/math" xmlns:w="http://schemas.openxmlformats.org/wordprocessingml/2006/main" showMasterPhAnim="0" show="1">
-  <p:cSld name="">
+<p:sld xmlns:a="http://schemas.openxmlformats.org/drawingml/2006/main" xmlns:r="http://schemas.openxmlformats.org/officeDocument/2006/relationships" xmlns:p="http://schemas.openxmlformats.org/presentationml/2006/main" showMasterPhAnim="0">
+  <p:cSld>
     <p:spTree>
       <p:nvGrpSpPr>
         <p:cNvPr id="1" name=""/>
@@ -3716,20 +3764,12 @@
   <p:clrMapOvr>
     <a:masterClrMapping/>
   </p:clrMapOvr>
-  <mc:AlternateContent xmlns:mc="http://schemas.openxmlformats.org/markup-compatibility/2006">
-    <mc:Choice xmlns:p14="http://schemas.microsoft.com/office/powerpoint/2010/main" Requires="p14">
-      <p:transition p14:dur="2000" advClick="1"/>
-    </mc:Choice>
-    <mc:Fallback>
-      <p:transition advClick="1"/>
-    </mc:Fallback>
-  </mc:AlternateContent>
 </p:sld>
 </file>
 
 <file path=ppt/slides/slide4.xml><?xml version="1.0" encoding="utf-8"?>
-<p:sld xmlns:a="http://schemas.openxmlformats.org/drawingml/2006/main" xmlns:r="http://schemas.openxmlformats.org/officeDocument/2006/relationships" xmlns:p="http://schemas.openxmlformats.org/presentationml/2006/main" xmlns:m="http://schemas.openxmlformats.org/officeDocument/2006/math" xmlns:w="http://schemas.openxmlformats.org/wordprocessingml/2006/main" showMasterPhAnim="0" show="1">
-  <p:cSld name="">
+<p:sld xmlns:a="http://schemas.openxmlformats.org/drawingml/2006/main" xmlns:r="http://schemas.openxmlformats.org/officeDocument/2006/relationships" xmlns:p="http://schemas.openxmlformats.org/presentationml/2006/main" showMasterPhAnim="0">
+  <p:cSld>
     <p:spTree>
       <p:nvGrpSpPr>
         <p:cNvPr id="1" name=""/>
@@ -3778,7 +3818,7 @@
         <p:nvPicPr>
           <p:cNvPr id="5" name="Объект 4"/>
           <p:cNvPicPr>
-            <a:picLocks noChangeAspect="1" noGrp="1"/>
+            <a:picLocks noGrp="1" noChangeAspect="1"/>
           </p:cNvPicPr>
           <p:nvPr>
             <p:ph idx="1"/>
@@ -3803,20 +3843,12 @@
   <p:clrMapOvr>
     <a:masterClrMapping/>
   </p:clrMapOvr>
-  <mc:AlternateContent xmlns:mc="http://schemas.openxmlformats.org/markup-compatibility/2006">
-    <mc:Choice xmlns:p14="http://schemas.microsoft.com/office/powerpoint/2010/main" Requires="p14">
-      <p:transition p14:dur="2000" advClick="1"/>
-    </mc:Choice>
-    <mc:Fallback>
-      <p:transition advClick="1"/>
-    </mc:Fallback>
-  </mc:AlternateContent>
 </p:sld>
 </file>
 
 <file path=ppt/slides/slide5.xml><?xml version="1.0" encoding="utf-8"?>
-<p:sld xmlns:a="http://schemas.openxmlformats.org/drawingml/2006/main" xmlns:r="http://schemas.openxmlformats.org/officeDocument/2006/relationships" xmlns:p="http://schemas.openxmlformats.org/presentationml/2006/main" xmlns:m="http://schemas.openxmlformats.org/officeDocument/2006/math" xmlns:w="http://schemas.openxmlformats.org/wordprocessingml/2006/main" showMasterPhAnim="0" show="1">
-  <p:cSld name="">
+<p:sld xmlns:a="http://schemas.openxmlformats.org/drawingml/2006/main" xmlns:r="http://schemas.openxmlformats.org/officeDocument/2006/relationships" xmlns:p="http://schemas.openxmlformats.org/presentationml/2006/main" showMasterPhAnim="0">
+  <p:cSld>
     <p:spTree>
       <p:nvGrpSpPr>
         <p:cNvPr id="1" name=""/>
@@ -3869,7 +3901,7 @@
         <p:nvPicPr>
           <p:cNvPr id="5" name="Объект 4"/>
           <p:cNvPicPr>
-            <a:picLocks noChangeAspect="1" noGrp="1"/>
+            <a:picLocks noGrp="1" noChangeAspect="1"/>
           </p:cNvPicPr>
           <p:nvPr>
             <p:ph idx="1"/>
@@ -3895,20 +3927,12 @@
   <p:clrMapOvr>
     <a:masterClrMapping/>
   </p:clrMapOvr>
-  <mc:AlternateContent xmlns:mc="http://schemas.openxmlformats.org/markup-compatibility/2006">
-    <mc:Choice xmlns:p14="http://schemas.microsoft.com/office/powerpoint/2010/main" Requires="p14">
-      <p:transition p14:dur="2000" advClick="1"/>
-    </mc:Choice>
-    <mc:Fallback>
-      <p:transition advClick="1"/>
-    </mc:Fallback>
-  </mc:AlternateContent>
 </p:sld>
 </file>
 
 <file path=ppt/slides/slide6.xml><?xml version="1.0" encoding="utf-8"?>
-<p:sld xmlns:a="http://schemas.openxmlformats.org/drawingml/2006/main" xmlns:r="http://schemas.openxmlformats.org/officeDocument/2006/relationships" xmlns:p="http://schemas.openxmlformats.org/presentationml/2006/main" xmlns:m="http://schemas.openxmlformats.org/officeDocument/2006/math" xmlns:w="http://schemas.openxmlformats.org/wordprocessingml/2006/main" showMasterPhAnim="0" show="1">
-  <p:cSld name="">
+<p:sld xmlns:a="http://schemas.openxmlformats.org/drawingml/2006/main" xmlns:r="http://schemas.openxmlformats.org/officeDocument/2006/relationships" xmlns:p="http://schemas.openxmlformats.org/presentationml/2006/main" showMasterPhAnim="0">
+  <p:cSld>
     <p:spTree>
       <p:nvGrpSpPr>
         <p:cNvPr id="1" name=""/>
@@ -3960,7 +3984,7 @@
         <p:nvPicPr>
           <p:cNvPr id="5" name="Объект 4"/>
           <p:cNvPicPr>
-            <a:picLocks noChangeAspect="1" noGrp="1"/>
+            <a:picLocks noGrp="1" noChangeAspect="1"/>
           </p:cNvPicPr>
           <p:nvPr>
             <p:ph idx="1"/>
@@ -3985,20 +4009,12 @@
   <p:clrMapOvr>
     <a:masterClrMapping/>
   </p:clrMapOvr>
-  <mc:AlternateContent xmlns:mc="http://schemas.openxmlformats.org/markup-compatibility/2006">
-    <mc:Choice xmlns:p14="http://schemas.microsoft.com/office/powerpoint/2010/main" Requires="p14">
-      <p:transition p14:dur="2000" advClick="1"/>
-    </mc:Choice>
-    <mc:Fallback>
-      <p:transition advClick="1"/>
-    </mc:Fallback>
-  </mc:AlternateContent>
 </p:sld>
 </file>
 
 <file path=ppt/slides/slide7.xml><?xml version="1.0" encoding="utf-8"?>
-<p:sld xmlns:a="http://schemas.openxmlformats.org/drawingml/2006/main" xmlns:r="http://schemas.openxmlformats.org/officeDocument/2006/relationships" xmlns:p="http://schemas.openxmlformats.org/presentationml/2006/main" xmlns:m="http://schemas.openxmlformats.org/officeDocument/2006/math" xmlns:w="http://schemas.openxmlformats.org/wordprocessingml/2006/main" showMasterPhAnim="0" show="1">
-  <p:cSld name="">
+<p:sld xmlns:a="http://schemas.openxmlformats.org/drawingml/2006/main" xmlns:r="http://schemas.openxmlformats.org/officeDocument/2006/relationships" xmlns:p="http://schemas.openxmlformats.org/presentationml/2006/main" showMasterPhAnim="0">
+  <p:cSld>
     <p:spTree>
       <p:nvGrpSpPr>
         <p:cNvPr id="1" name=""/>
@@ -4066,15 +4082,7 @@
             </a:pPr>
             <a:r>
               <a:rPr lang="en-GB"/>
-              <a:t>random </a:t>
-            </a:r>
-            <a:r>
-              <a:rPr lang="en-GB"/>
-              <a:t>classification_report</a:t>
-            </a:r>
-            <a:r>
-              <a:rPr lang="en-GB"/>
-              <a:t>:</a:t>
+              <a:t>random classification_report:</a:t>
             </a:r>
             <a:endParaRPr/>
           </a:p>
@@ -4166,33 +4174,17 @@
             </a:pPr>
             <a:r>
               <a:rPr lang="en-GB"/>
-              <a:t>   macro </a:t>
-            </a:r>
-            <a:r>
-              <a:rPr lang="en-GB"/>
-              <a:t>avg</a:t>
-            </a:r>
-            <a:r>
-              <a:rPr lang="en-GB"/>
-              <a:t>       0.56      0.65      0.59        63</a:t>
-            </a:r>
-            <a:endParaRPr/>
-          </a:p>
-          <a:p>
-            <a:pPr>
-              <a:defRPr/>
-            </a:pPr>
-            <a:r>
-              <a:rPr lang="en-GB"/>
-              <a:t>weighted </a:t>
-            </a:r>
-            <a:r>
-              <a:rPr lang="en-GB"/>
-              <a:t>avg</a:t>
-            </a:r>
-            <a:r>
-              <a:rPr lang="en-GB"/>
-              <a:t>       0.58      0.65      0.60        63</a:t>
+              <a:t>   macro avg       0.56      0.65      0.59        63</a:t>
+            </a:r>
+            <a:endParaRPr/>
+          </a:p>
+          <a:p>
+            <a:pPr>
+              <a:defRPr/>
+            </a:pPr>
+            <a:r>
+              <a:rPr lang="en-GB"/>
+              <a:t>weighted avg       0.58      0.65      0.60        63</a:t>
             </a:r>
             <a:endParaRPr/>
           </a:p>
@@ -4225,15 +4217,7 @@
             </a:pPr>
             <a:r>
               <a:rPr lang="en-GB"/>
-              <a:t> grid </a:t>
-            </a:r>
-            <a:r>
-              <a:rPr lang="en-GB"/>
-              <a:t>classification_report</a:t>
-            </a:r>
-            <a:r>
-              <a:rPr lang="en-GB"/>
-              <a:t> (1000 and 3000 iterations):</a:t>
+              <a:t> grid classification_report (1000 and 3000 iterations):</a:t>
             </a:r>
             <a:endParaRPr/>
           </a:p>
@@ -4333,33 +4317,17 @@
             </a:pPr>
             <a:r>
               <a:rPr lang="en-GB"/>
-              <a:t>       macro </a:t>
-            </a:r>
-            <a:r>
-              <a:rPr lang="en-GB"/>
-              <a:t>avg</a:t>
-            </a:r>
-            <a:r>
-              <a:rPr lang="en-GB"/>
-              <a:t>       0.70      0.72      0.69        63</a:t>
-            </a:r>
-            <a:endParaRPr/>
-          </a:p>
-          <a:p>
-            <a:pPr>
-              <a:defRPr/>
-            </a:pPr>
-            <a:r>
-              <a:rPr lang="en-GB"/>
-              <a:t>    weighted </a:t>
-            </a:r>
-            <a:r>
-              <a:rPr lang="en-GB"/>
-              <a:t>avg</a:t>
-            </a:r>
-            <a:r>
-              <a:rPr lang="en-GB"/>
-              <a:t>       0.71      0.73      0.70        63</a:t>
+              <a:t>       macro avg       0.70      0.72      0.69        63</a:t>
+            </a:r>
+            <a:endParaRPr/>
+          </a:p>
+          <a:p>
+            <a:pPr>
+              <a:defRPr/>
+            </a:pPr>
+            <a:r>
+              <a:rPr lang="en-GB"/>
+              <a:t>    weighted avg       0.71      0.73      0.70        63</a:t>
             </a:r>
             <a:endParaRPr/>
           </a:p>
@@ -4370,20 +4338,12 @@
   <p:clrMapOvr>
     <a:masterClrMapping/>
   </p:clrMapOvr>
-  <mc:AlternateContent xmlns:mc="http://schemas.openxmlformats.org/markup-compatibility/2006">
-    <mc:Choice xmlns:p14="http://schemas.microsoft.com/office/powerpoint/2010/main" Requires="p14">
-      <p:transition p14:dur="2000" advClick="1"/>
-    </mc:Choice>
-    <mc:Fallback>
-      <p:transition advClick="1"/>
-    </mc:Fallback>
-  </mc:AlternateContent>
 </p:sld>
 </file>
 
 <file path=ppt/slides/slide8.xml><?xml version="1.0" encoding="utf-8"?>
-<p:sld xmlns:a="http://schemas.openxmlformats.org/drawingml/2006/main" xmlns:r="http://schemas.openxmlformats.org/officeDocument/2006/relationships" xmlns:p="http://schemas.openxmlformats.org/presentationml/2006/main" xmlns:m="http://schemas.openxmlformats.org/officeDocument/2006/math" xmlns:w="http://schemas.openxmlformats.org/wordprocessingml/2006/main" showMasterPhAnim="0" show="1">
-  <p:cSld name="">
+<p:sld xmlns:a="http://schemas.openxmlformats.org/drawingml/2006/main" xmlns:r="http://schemas.openxmlformats.org/officeDocument/2006/relationships" xmlns:p="http://schemas.openxmlformats.org/presentationml/2006/main" showMasterPhAnim="0">
+  <p:cSld>
     <p:spTree>
       <p:nvGrpSpPr>
         <p:cNvPr id="1" name=""/>
@@ -4428,7 +4388,7 @@
         <p:nvPicPr>
           <p:cNvPr id="5" name="Объект 4"/>
           <p:cNvPicPr>
-            <a:picLocks noChangeAspect="1" noGrp="1"/>
+            <a:picLocks noGrp="1" noChangeAspect="1"/>
           </p:cNvPicPr>
           <p:nvPr>
             <p:ph idx="1"/>
@@ -4454,20 +4414,12 @@
   <p:clrMapOvr>
     <a:masterClrMapping/>
   </p:clrMapOvr>
-  <mc:AlternateContent xmlns:mc="http://schemas.openxmlformats.org/markup-compatibility/2006">
-    <mc:Choice xmlns:p14="http://schemas.microsoft.com/office/powerpoint/2010/main" Requires="p14">
-      <p:transition p14:dur="2000" advClick="1"/>
-    </mc:Choice>
-    <mc:Fallback>
-      <p:transition advClick="1"/>
-    </mc:Fallback>
-  </mc:AlternateContent>
 </p:sld>
 </file>
 
 <file path=ppt/slides/slide9.xml><?xml version="1.0" encoding="utf-8"?>
-<p:sld xmlns:a="http://schemas.openxmlformats.org/drawingml/2006/main" xmlns:r="http://schemas.openxmlformats.org/officeDocument/2006/relationships" xmlns:p="http://schemas.openxmlformats.org/presentationml/2006/main" xmlns:m="http://schemas.openxmlformats.org/officeDocument/2006/math" xmlns:w="http://schemas.openxmlformats.org/wordprocessingml/2006/main" showMasterPhAnim="0" show="1">
-  <p:cSld name="">
+<p:sld xmlns:a="http://schemas.openxmlformats.org/drawingml/2006/main" xmlns:r="http://schemas.openxmlformats.org/officeDocument/2006/relationships" xmlns:p="http://schemas.openxmlformats.org/presentationml/2006/main" showMasterPhAnim="0">
+  <p:cSld>
     <p:spTree>
       <p:nvGrpSpPr>
         <p:cNvPr id="1" name=""/>
@@ -4542,15 +4494,7 @@
             </a:pPr>
             <a:r>
               <a:rPr lang="en-GB"/>
-              <a:t> # </a:t>
-            </a:r>
-            <a:r>
-              <a:rPr lang="en-GB"/>
-              <a:t>test_predict</a:t>
-            </a:r>
-            <a:r>
-              <a:rPr lang="en-GB"/>
-              <a:t> for</a:t>
+              <a:t> # test_predict for</a:t>
             </a:r>
             <a:endParaRPr/>
           </a:p>
@@ -4738,19 +4682,11 @@
   <p:clrMapOvr>
     <a:masterClrMapping/>
   </p:clrMapOvr>
-  <mc:AlternateContent xmlns:mc="http://schemas.openxmlformats.org/markup-compatibility/2006">
-    <mc:Choice xmlns:p14="http://schemas.microsoft.com/office/powerpoint/2010/main" Requires="p14">
-      <p:transition p14:dur="2000" advClick="1"/>
-    </mc:Choice>
-    <mc:Fallback>
-      <p:transition advClick="1"/>
-    </mc:Fallback>
-  </mc:AlternateContent>
 </p:sld>
 </file>
 
 <file path=ppt/theme/theme1.xml><?xml version="1.0" encoding="utf-8"?>
-<a:theme xmlns:a="http://schemas.openxmlformats.org/drawingml/2006/main" xmlns:r="http://schemas.openxmlformats.org/officeDocument/2006/relationships" xmlns:p="http://schemas.openxmlformats.org/presentationml/2006/main" name="Тема Office">
+<a:theme xmlns:a="http://schemas.openxmlformats.org/drawingml/2006/main" name="Тема Office">
   <a:themeElements>
     <a:clrScheme name="Стандартная">
       <a:dk1>
@@ -4953,5 +4889,6 @@
     </a:fmtScheme>
   </a:themeElements>
   <a:objectDefaults/>
+  <a:extraClrSchemeLst/>
 </a:theme>
 </file>